--- a/capa DVD/Modelo de Apresentacao CPS - ETEC ZL.pptx
+++ b/capa DVD/Modelo de Apresentacao CPS - ETEC ZL.pptx
@@ -10,9 +10,16 @@
     <p:sldId id="258" r:id="rId4"/>
     <p:sldId id="259" r:id="rId5"/>
     <p:sldId id="260" r:id="rId6"/>
-    <p:sldId id="261" r:id="rId7"/>
-    <p:sldId id="262" r:id="rId8"/>
-    <p:sldId id="263" r:id="rId9"/>
+    <p:sldId id="264" r:id="rId7"/>
+    <p:sldId id="265" r:id="rId8"/>
+    <p:sldId id="268" r:id="rId9"/>
+    <p:sldId id="269" r:id="rId10"/>
+    <p:sldId id="267" r:id="rId11"/>
+    <p:sldId id="270" r:id="rId12"/>
+    <p:sldId id="271" r:id="rId13"/>
+    <p:sldId id="261" r:id="rId14"/>
+    <p:sldId id="262" r:id="rId15"/>
+    <p:sldId id="263" r:id="rId16"/>
   </p:sldIdLst>
   <p:sldSz cx="12192000" cy="6858000"/>
   <p:notesSz cx="6858000" cy="9144000"/>
@@ -261,7 +268,7 @@
           <a:p>
             <a:fld id="{BB0D972C-7678-4AED-9B43-502D1FCCBA08}" type="datetimeFigureOut">
               <a:rPr lang="pt-BR" smtClean="0"/>
-              <a:t>11/09/2019</a:t>
+              <a:t>03/12/2019</a:t>
             </a:fld>
             <a:endParaRPr lang="pt-BR"/>
           </a:p>
@@ -431,7 +438,7 @@
           <a:p>
             <a:fld id="{BB0D972C-7678-4AED-9B43-502D1FCCBA08}" type="datetimeFigureOut">
               <a:rPr lang="pt-BR" smtClean="0"/>
-              <a:t>11/09/2019</a:t>
+              <a:t>03/12/2019</a:t>
             </a:fld>
             <a:endParaRPr lang="pt-BR"/>
           </a:p>
@@ -611,7 +618,7 @@
           <a:p>
             <a:fld id="{BB0D972C-7678-4AED-9B43-502D1FCCBA08}" type="datetimeFigureOut">
               <a:rPr lang="pt-BR" smtClean="0"/>
-              <a:t>11/09/2019</a:t>
+              <a:t>03/12/2019</a:t>
             </a:fld>
             <a:endParaRPr lang="pt-BR"/>
           </a:p>
@@ -819,7 +826,7 @@
           <a:p>
             <a:fld id="{BB0D972C-7678-4AED-9B43-502D1FCCBA08}" type="datetimeFigureOut">
               <a:rPr lang="pt-BR" smtClean="0"/>
-              <a:t>11/09/2019</a:t>
+              <a:t>03/12/2019</a:t>
             </a:fld>
             <a:endParaRPr lang="pt-BR"/>
           </a:p>
@@ -1065,7 +1072,7 @@
           <a:p>
             <a:fld id="{BB0D972C-7678-4AED-9B43-502D1FCCBA08}" type="datetimeFigureOut">
               <a:rPr lang="pt-BR" smtClean="0"/>
-              <a:t>11/09/2019</a:t>
+              <a:t>03/12/2019</a:t>
             </a:fld>
             <a:endParaRPr lang="pt-BR"/>
           </a:p>
@@ -1297,7 +1304,7 @@
           <a:p>
             <a:fld id="{BB0D972C-7678-4AED-9B43-502D1FCCBA08}" type="datetimeFigureOut">
               <a:rPr lang="pt-BR" smtClean="0"/>
-              <a:t>11/09/2019</a:t>
+              <a:t>03/12/2019</a:t>
             </a:fld>
             <a:endParaRPr lang="pt-BR"/>
           </a:p>
@@ -1664,7 +1671,7 @@
           <a:p>
             <a:fld id="{BB0D972C-7678-4AED-9B43-502D1FCCBA08}" type="datetimeFigureOut">
               <a:rPr lang="pt-BR" smtClean="0"/>
-              <a:t>11/09/2019</a:t>
+              <a:t>03/12/2019</a:t>
             </a:fld>
             <a:endParaRPr lang="pt-BR"/>
           </a:p>
@@ -1782,7 +1789,7 @@
           <a:p>
             <a:fld id="{BB0D972C-7678-4AED-9B43-502D1FCCBA08}" type="datetimeFigureOut">
               <a:rPr lang="pt-BR" smtClean="0"/>
-              <a:t>11/09/2019</a:t>
+              <a:t>03/12/2019</a:t>
             </a:fld>
             <a:endParaRPr lang="pt-BR"/>
           </a:p>
@@ -1877,7 +1884,7 @@
           <a:p>
             <a:fld id="{BB0D972C-7678-4AED-9B43-502D1FCCBA08}" type="datetimeFigureOut">
               <a:rPr lang="pt-BR" smtClean="0"/>
-              <a:t>11/09/2019</a:t>
+              <a:t>03/12/2019</a:t>
             </a:fld>
             <a:endParaRPr lang="pt-BR"/>
           </a:p>
@@ -2154,7 +2161,7 @@
           <a:p>
             <a:fld id="{BB0D972C-7678-4AED-9B43-502D1FCCBA08}" type="datetimeFigureOut">
               <a:rPr lang="pt-BR" smtClean="0"/>
-              <a:t>11/09/2019</a:t>
+              <a:t>03/12/2019</a:t>
             </a:fld>
             <a:endParaRPr lang="pt-BR"/>
           </a:p>
@@ -2407,7 +2414,7 @@
           <a:p>
             <a:fld id="{BB0D972C-7678-4AED-9B43-502D1FCCBA08}" type="datetimeFigureOut">
               <a:rPr lang="pt-BR" smtClean="0"/>
-              <a:t>11/09/2019</a:t>
+              <a:t>03/12/2019</a:t>
             </a:fld>
             <a:endParaRPr lang="pt-BR"/>
           </a:p>
@@ -2620,7 +2627,7 @@
           <a:p>
             <a:fld id="{BB0D972C-7678-4AED-9B43-502D1FCCBA08}" type="datetimeFigureOut">
               <a:rPr lang="pt-BR" smtClean="0"/>
-              <a:t>11/09/2019</a:t>
+              <a:t>03/12/2019</a:t>
             </a:fld>
             <a:endParaRPr lang="pt-BR"/>
           </a:p>
@@ -2709,7 +2716,7 @@
           <p:cNvPr id="7" name="Imagem 6">
             <a:extLst>
               <a:ext uri="{FF2B5EF4-FFF2-40B4-BE49-F238E27FC236}">
-                <a16:creationId xmlns="" xmlns:a16="http://schemas.microsoft.com/office/drawing/2014/main" id="{6073FAF5-1D3A-0641-B668-FAF4D37D7DBF}"/>
+                <a16:creationId xmlns:a16="http://schemas.microsoft.com/office/drawing/2014/main" xmlns="" id="{6073FAF5-1D3A-0641-B668-FAF4D37D7DBF}"/>
               </a:ext>
             </a:extLst>
           </p:cNvPr>
@@ -3071,18 +3078,29 @@
             <p:ph type="ctrTitle"/>
           </p:nvPr>
         </p:nvSpPr>
-        <p:spPr/>
-        <p:txBody>
-          <a:bodyPr/>
-          <a:lstStyle/>
-          <a:p>
+        <p:spPr>
+          <a:xfrm>
+            <a:off x="1524000" y="1122363"/>
+            <a:ext cx="9144000" cy="1733379"/>
+          </a:xfrm>
+        </p:spPr>
+        <p:txBody>
+          <a:bodyPr/>
+          <a:lstStyle/>
+          <a:p>
+            <a:r>
+              <a:rPr lang="pt-BR" dirty="0" err="1" smtClean="0">
+                <a:ea typeface="Segoe UI" pitchFamily="34" charset="0"/>
+              </a:rPr>
+              <a:t>Blacal</a:t>
+            </a:r>
             <a:r>
               <a:rPr lang="pt-BR" dirty="0" smtClean="0">
                 <a:latin typeface="Segoe UI" pitchFamily="34" charset="0"/>
                 <a:ea typeface="Segoe UI" pitchFamily="34" charset="0"/>
                 <a:cs typeface="Segoe UI" pitchFamily="34" charset="0"/>
               </a:rPr>
-              <a:t>Título do seu trabalho</a:t>
+              <a:t> Elétrica</a:t>
             </a:r>
             <a:endParaRPr lang="pt-BR" dirty="0"/>
           </a:p>
@@ -3098,9 +3116,16 @@
             <p:ph type="subTitle" idx="1"/>
           </p:nvPr>
         </p:nvSpPr>
-        <p:spPr/>
-        <p:txBody>
-          <a:bodyPr/>
+        <p:spPr>
+          <a:xfrm>
+            <a:off x="1524000" y="3277772"/>
+            <a:ext cx="9144000" cy="1980028"/>
+          </a:xfrm>
+        </p:spPr>
+        <p:txBody>
+          <a:bodyPr>
+            <a:normAutofit/>
+          </a:bodyPr>
           <a:lstStyle/>
           <a:p>
             <a:endParaRPr lang="pt-BR" dirty="0" smtClean="0">
@@ -3124,14 +3149,24 @@
                     <a:lumOff val="35000"/>
                   </a:schemeClr>
                 </a:solidFill>
-                <a:latin typeface="Segoe UI" pitchFamily="34" charset="0"/>
                 <a:ea typeface="Segoe UI" pitchFamily="34" charset="0"/>
-                <a:cs typeface="Segoe UI" pitchFamily="34" charset="0"/>
               </a:rPr>
-              <a:t>Alunos</a:t>
-            </a:r>
-          </a:p>
-          <a:p>
+              <a:t>Andrey Ramos Caldas</a:t>
+            </a:r>
+          </a:p>
+          <a:p>
+            <a:r>
+              <a:rPr lang="pt-BR" dirty="0" err="1" smtClean="0">
+                <a:solidFill>
+                  <a:schemeClr val="tx1">
+                    <a:lumMod val="65000"/>
+                    <a:lumOff val="35000"/>
+                  </a:schemeClr>
+                </a:solidFill>
+                <a:ea typeface="Segoe UI" pitchFamily="34" charset="0"/>
+              </a:rPr>
+              <a:t>Gianlucca</a:t>
+            </a:r>
             <a:r>
               <a:rPr lang="pt-BR" dirty="0" smtClean="0">
                 <a:solidFill>
@@ -3140,81 +3175,9 @@
                     <a:lumOff val="35000"/>
                   </a:schemeClr>
                 </a:solidFill>
-                <a:latin typeface="Segoe UI" pitchFamily="34" charset="0"/>
                 <a:ea typeface="Segoe UI" pitchFamily="34" charset="0"/>
-                <a:cs typeface="Segoe UI" pitchFamily="34" charset="0"/>
               </a:rPr>
-              <a:t>Orientador: </a:t>
-            </a:r>
-            <a:r>
-              <a:rPr lang="pt-BR" dirty="0" err="1" smtClean="0">
-                <a:solidFill>
-                  <a:schemeClr val="tx1">
-                    <a:lumMod val="65000"/>
-                    <a:lumOff val="35000"/>
-                  </a:schemeClr>
-                </a:solidFill>
-                <a:latin typeface="Segoe UI" pitchFamily="34" charset="0"/>
-                <a:ea typeface="Segoe UI" pitchFamily="34" charset="0"/>
-                <a:cs typeface="Segoe UI" pitchFamily="34" charset="0"/>
-              </a:rPr>
-              <a:t>Xxxxx</a:t>
-            </a:r>
-            <a:r>
-              <a:rPr lang="pt-BR" dirty="0" smtClean="0">
-                <a:solidFill>
-                  <a:schemeClr val="tx1">
-                    <a:lumMod val="65000"/>
-                    <a:lumOff val="35000"/>
-                  </a:schemeClr>
-                </a:solidFill>
-                <a:latin typeface="Segoe UI" pitchFamily="34" charset="0"/>
-                <a:ea typeface="Segoe UI" pitchFamily="34" charset="0"/>
-                <a:cs typeface="Segoe UI" pitchFamily="34" charset="0"/>
-              </a:rPr>
-              <a:t> </a:t>
-            </a:r>
-            <a:r>
-              <a:rPr lang="pt-BR" dirty="0" err="1" smtClean="0">
-                <a:solidFill>
-                  <a:schemeClr val="tx1">
-                    <a:lumMod val="65000"/>
-                    <a:lumOff val="35000"/>
-                  </a:schemeClr>
-                </a:solidFill>
-                <a:latin typeface="Segoe UI" pitchFamily="34" charset="0"/>
-                <a:ea typeface="Segoe UI" pitchFamily="34" charset="0"/>
-                <a:cs typeface="Segoe UI" pitchFamily="34" charset="0"/>
-              </a:rPr>
-              <a:t>Xxxxxx</a:t>
-            </a:r>
-            <a:r>
-              <a:rPr lang="pt-BR" dirty="0" smtClean="0">
-                <a:solidFill>
-                  <a:schemeClr val="tx1">
-                    <a:lumMod val="65000"/>
-                    <a:lumOff val="35000"/>
-                  </a:schemeClr>
-                </a:solidFill>
-                <a:latin typeface="Segoe UI" pitchFamily="34" charset="0"/>
-                <a:ea typeface="Segoe UI" pitchFamily="34" charset="0"/>
-                <a:cs typeface="Segoe UI" pitchFamily="34" charset="0"/>
-              </a:rPr>
-              <a:t> </a:t>
-            </a:r>
-            <a:r>
-              <a:rPr lang="pt-BR" dirty="0" err="1" smtClean="0">
-                <a:solidFill>
-                  <a:schemeClr val="tx1">
-                    <a:lumMod val="65000"/>
-                    <a:lumOff val="35000"/>
-                  </a:schemeClr>
-                </a:solidFill>
-                <a:latin typeface="Segoe UI" pitchFamily="34" charset="0"/>
-                <a:ea typeface="Segoe UI" pitchFamily="34" charset="0"/>
-                <a:cs typeface="Segoe UI" pitchFamily="34" charset="0"/>
-              </a:rPr>
-              <a:t>Xxxxx</a:t>
+              <a:t> Silva Campana Ferreira</a:t>
             </a:r>
             <a:endParaRPr lang="pt-BR" dirty="0" smtClean="0">
               <a:solidFill>
@@ -3223,13 +3186,69 @@
                   <a:lumOff val="35000"/>
                 </a:schemeClr>
               </a:solidFill>
+              <a:ea typeface="Segoe UI" pitchFamily="34" charset="0"/>
+            </a:endParaRPr>
+          </a:p>
+          <a:p>
+            <a:r>
+              <a:rPr lang="pt-BR" b="1" dirty="0" smtClean="0">
+                <a:solidFill>
+                  <a:schemeClr val="tx1"/>
+                </a:solidFill>
+                <a:ea typeface="Segoe UI" pitchFamily="34" charset="0"/>
+              </a:rPr>
+              <a:t>Orientador</a:t>
+            </a:r>
+            <a:r>
+              <a:rPr lang="pt-BR" b="1" dirty="0">
+                <a:solidFill>
+                  <a:schemeClr val="tx1"/>
+                </a:solidFill>
+                <a:ea typeface="Segoe UI" pitchFamily="34" charset="0"/>
+              </a:rPr>
+              <a:t>:</a:t>
+            </a:r>
+            <a:r>
+              <a:rPr lang="pt-BR" b="1" dirty="0" smtClean="0">
+                <a:solidFill>
+                  <a:schemeClr val="tx1">
+                    <a:lumMod val="65000"/>
+                    <a:lumOff val="35000"/>
+                  </a:schemeClr>
+                </a:solidFill>
+                <a:ea typeface="Segoe UI" pitchFamily="34" charset="0"/>
+              </a:rPr>
+              <a:t> </a:t>
+            </a:r>
+            <a:r>
+              <a:rPr lang="pt-BR" b="1" dirty="0" smtClean="0">
+                <a:solidFill>
+                  <a:schemeClr val="tx1">
+                    <a:lumMod val="65000"/>
+                    <a:lumOff val="35000"/>
+                  </a:schemeClr>
+                </a:solidFill>
+                <a:ea typeface="Segoe UI" pitchFamily="34" charset="0"/>
+              </a:rPr>
+              <a:t>Rogério Bezerra Costa</a:t>
+            </a:r>
+          </a:p>
+          <a:p>
+            <a:endParaRPr lang="pt-BR" dirty="0" smtClean="0">
+              <a:solidFill>
+                <a:schemeClr val="tx1"/>
+              </a:solidFill>
               <a:latin typeface="Segoe UI" pitchFamily="34" charset="0"/>
               <a:ea typeface="Segoe UI" pitchFamily="34" charset="0"/>
               <a:cs typeface="Segoe UI" pitchFamily="34" charset="0"/>
             </a:endParaRPr>
           </a:p>
           <a:p>
-            <a:endParaRPr lang="pt-BR" dirty="0"/>
+            <a:endParaRPr lang="pt-BR" dirty="0">
+              <a:solidFill>
+                <a:schemeClr val="tx1"/>
+              </a:solidFill>
+            </a:endParaRPr>
           </a:p>
         </p:txBody>
       </p:sp>
@@ -3237,6 +3256,607 @@
     <p:extLst>
       <p:ext uri="{BB962C8B-B14F-4D97-AF65-F5344CB8AC3E}">
         <p14:creationId xmlns:p14="http://schemas.microsoft.com/office/powerpoint/2010/main" val="2548706731"/>
+      </p:ext>
+    </p:extLst>
+  </p:cSld>
+  <p:clrMapOvr>
+    <a:masterClrMapping/>
+  </p:clrMapOvr>
+  <p:timing>
+    <p:tnLst>
+      <p:par>
+        <p:cTn id="1" dur="indefinite" restart="never" nodeType="tmRoot"/>
+      </p:par>
+    </p:tnLst>
+  </p:timing>
+</p:sld>
+</file>
+
+<file path=ppt/slides/slide10.xml><?xml version="1.0" encoding="utf-8"?>
+<p:sld xmlns:a="http://schemas.openxmlformats.org/drawingml/2006/main" xmlns:r="http://schemas.openxmlformats.org/officeDocument/2006/relationships" xmlns:p="http://schemas.openxmlformats.org/presentationml/2006/main">
+  <p:cSld>
+    <p:spTree>
+      <p:nvGrpSpPr>
+        <p:cNvPr id="1" name=""/>
+        <p:cNvGrpSpPr/>
+        <p:nvPr/>
+      </p:nvGrpSpPr>
+      <p:grpSpPr>
+        <a:xfrm>
+          <a:off x="0" y="0"/>
+          <a:ext cx="0" cy="0"/>
+          <a:chOff x="0" y="0"/>
+          <a:chExt cx="0" cy="0"/>
+        </a:xfrm>
+      </p:grpSpPr>
+      <p:sp>
+        <p:nvSpPr>
+          <p:cNvPr id="2" name="Título 1"/>
+          <p:cNvSpPr>
+            <a:spLocks noGrp="1"/>
+          </p:cNvSpPr>
+          <p:nvPr>
+            <p:ph type="title"/>
+          </p:nvPr>
+        </p:nvSpPr>
+        <p:spPr>
+          <a:xfrm>
+            <a:off x="838200" y="660547"/>
+            <a:ext cx="10515600" cy="1325563"/>
+          </a:xfrm>
+        </p:spPr>
+        <p:txBody>
+          <a:bodyPr/>
+          <a:lstStyle/>
+          <a:p>
+            <a:r>
+              <a:rPr lang="pt-BR" dirty="0" smtClean="0"/>
+              <a:t>Diagramas de Sequência</a:t>
+            </a:r>
+            <a:endParaRPr lang="pt-BR" dirty="0"/>
+          </a:p>
+        </p:txBody>
+      </p:sp>
+      <p:sp>
+        <p:nvSpPr>
+          <p:cNvPr id="3" name="Espaço Reservado para Conteúdo 2"/>
+          <p:cNvSpPr>
+            <a:spLocks noGrp="1"/>
+          </p:cNvSpPr>
+          <p:nvPr>
+            <p:ph idx="1"/>
+          </p:nvPr>
+        </p:nvSpPr>
+        <p:spPr>
+          <a:xfrm>
+            <a:off x="838200" y="2686929"/>
+            <a:ext cx="10515600" cy="3125284"/>
+          </a:xfrm>
+        </p:spPr>
+        <p:txBody>
+          <a:bodyPr>
+            <a:normAutofit/>
+          </a:bodyPr>
+          <a:lstStyle/>
+          <a:p>
+            <a:r>
+              <a:rPr lang="pt-BR" sz="2400" dirty="0" smtClean="0"/>
+              <a:t>Diagrama </a:t>
+            </a:r>
+            <a:r>
+              <a:rPr lang="pt-BR" sz="2400" dirty="0"/>
+              <a:t>de sequência é baseado </a:t>
+            </a:r>
+            <a:r>
+              <a:rPr lang="pt-BR" sz="2400" dirty="0" smtClean="0"/>
+              <a:t>nos diagramas </a:t>
+            </a:r>
+            <a:r>
+              <a:rPr lang="pt-BR" sz="2400" dirty="0"/>
+              <a:t>de casos de uso, sendo assim, todo diagrama de caso de uso precisa ter um diagrama de sequência. Ele também é uma excelente forma de validar e documentar o diagrama de classes, porque consegue-se ver os métodos necessários para declarar as </a:t>
+            </a:r>
+            <a:r>
+              <a:rPr lang="pt-BR" sz="2400" dirty="0" smtClean="0"/>
+              <a:t>classes </a:t>
+            </a:r>
+            <a:r>
+              <a:rPr lang="pt-BR" sz="2400" dirty="0"/>
+              <a:t>(Guedes, 2011).</a:t>
+            </a:r>
+            <a:endParaRPr lang="pt-BR" sz="3200" dirty="0"/>
+          </a:p>
+          <a:p>
+            <a:endParaRPr lang="pt-BR" sz="2500" dirty="0"/>
+          </a:p>
+        </p:txBody>
+      </p:sp>
+    </p:spTree>
+    <p:extLst>
+      <p:ext uri="{BB962C8B-B14F-4D97-AF65-F5344CB8AC3E}">
+        <p14:creationId xmlns:p14="http://schemas.microsoft.com/office/powerpoint/2010/main" val="1761413813"/>
+      </p:ext>
+    </p:extLst>
+  </p:cSld>
+  <p:clrMapOvr>
+    <a:masterClrMapping/>
+  </p:clrMapOvr>
+  <p:timing>
+    <p:tnLst>
+      <p:par>
+        <p:cTn id="1" dur="indefinite" restart="never" nodeType="tmRoot"/>
+      </p:par>
+    </p:tnLst>
+  </p:timing>
+</p:sld>
+</file>
+
+<file path=ppt/slides/slide11.xml><?xml version="1.0" encoding="utf-8"?>
+<p:sld xmlns:a="http://schemas.openxmlformats.org/drawingml/2006/main" xmlns:r="http://schemas.openxmlformats.org/officeDocument/2006/relationships" xmlns:p="http://schemas.openxmlformats.org/presentationml/2006/main">
+  <p:cSld>
+    <p:spTree>
+      <p:nvGrpSpPr>
+        <p:cNvPr id="1" name=""/>
+        <p:cNvGrpSpPr/>
+        <p:nvPr/>
+      </p:nvGrpSpPr>
+      <p:grpSpPr>
+        <a:xfrm>
+          <a:off x="0" y="0"/>
+          <a:ext cx="0" cy="0"/>
+          <a:chOff x="0" y="0"/>
+          <a:chExt cx="0" cy="0"/>
+        </a:xfrm>
+      </p:grpSpPr>
+      <p:sp>
+        <p:nvSpPr>
+          <p:cNvPr id="2" name="Título 1"/>
+          <p:cNvSpPr>
+            <a:spLocks noGrp="1"/>
+          </p:cNvSpPr>
+          <p:nvPr>
+            <p:ph type="title"/>
+          </p:nvPr>
+        </p:nvSpPr>
+        <p:spPr>
+          <a:xfrm>
+            <a:off x="0" y="238516"/>
+            <a:ext cx="12192000" cy="1325563"/>
+          </a:xfrm>
+        </p:spPr>
+        <p:txBody>
+          <a:bodyPr/>
+          <a:lstStyle/>
+          <a:p>
+            <a:r>
+              <a:rPr lang="pt-BR" dirty="0" smtClean="0"/>
+              <a:t>Diagramas </a:t>
+            </a:r>
+            <a:r>
+              <a:rPr lang="pt-BR" dirty="0"/>
+              <a:t>de </a:t>
+            </a:r>
+            <a:r>
+              <a:rPr lang="pt-BR" dirty="0" smtClean="0"/>
+              <a:t>Sequência: Calculo de TUG</a:t>
+            </a:r>
+            <a:endParaRPr lang="pt-BR" dirty="0"/>
+          </a:p>
+        </p:txBody>
+      </p:sp>
+      <p:pic>
+        <p:nvPicPr>
+          <p:cNvPr id="5" name="Espaço Reservado para Conteúdo 4"/>
+          <p:cNvPicPr>
+            <a:picLocks noGrp="1" noChangeAspect="1"/>
+          </p:cNvPicPr>
+          <p:nvPr>
+            <p:ph idx="1"/>
+          </p:nvPr>
+        </p:nvPicPr>
+        <p:blipFill>
+          <a:blip r:embed="rId2"/>
+          <a:stretch>
+            <a:fillRect/>
+          </a:stretch>
+        </p:blipFill>
+        <p:spPr>
+          <a:xfrm>
+            <a:off x="1596385" y="1772004"/>
+            <a:ext cx="8999229" cy="3968015"/>
+          </a:xfrm>
+          <a:prstGeom prst="rect">
+            <a:avLst/>
+          </a:prstGeom>
+        </p:spPr>
+      </p:pic>
+    </p:spTree>
+    <p:extLst>
+      <p:ext uri="{BB962C8B-B14F-4D97-AF65-F5344CB8AC3E}">
+        <p14:creationId xmlns:p14="http://schemas.microsoft.com/office/powerpoint/2010/main" val="2877364244"/>
+      </p:ext>
+    </p:extLst>
+  </p:cSld>
+  <p:clrMapOvr>
+    <a:masterClrMapping/>
+  </p:clrMapOvr>
+  <p:timing>
+    <p:tnLst>
+      <p:par>
+        <p:cTn id="1" dur="indefinite" restart="never" nodeType="tmRoot"/>
+      </p:par>
+    </p:tnLst>
+  </p:timing>
+</p:sld>
+</file>
+
+<file path=ppt/slides/slide12.xml><?xml version="1.0" encoding="utf-8"?>
+<p:sld xmlns:a="http://schemas.openxmlformats.org/drawingml/2006/main" xmlns:r="http://schemas.openxmlformats.org/officeDocument/2006/relationships" xmlns:p="http://schemas.openxmlformats.org/presentationml/2006/main">
+  <p:cSld>
+    <p:spTree>
+      <p:nvGrpSpPr>
+        <p:cNvPr id="1" name=""/>
+        <p:cNvGrpSpPr/>
+        <p:nvPr/>
+      </p:nvGrpSpPr>
+      <p:grpSpPr>
+        <a:xfrm>
+          <a:off x="0" y="0"/>
+          <a:ext cx="0" cy="0"/>
+          <a:chOff x="0" y="0"/>
+          <a:chExt cx="0" cy="0"/>
+        </a:xfrm>
+      </p:grpSpPr>
+      <p:sp>
+        <p:nvSpPr>
+          <p:cNvPr id="2" name="Título 1"/>
+          <p:cNvSpPr>
+            <a:spLocks noGrp="1"/>
+          </p:cNvSpPr>
+          <p:nvPr>
+            <p:ph type="title"/>
+          </p:nvPr>
+        </p:nvSpPr>
+        <p:spPr>
+          <a:xfrm>
+            <a:off x="0" y="238516"/>
+            <a:ext cx="12192000" cy="1325563"/>
+          </a:xfrm>
+        </p:spPr>
+        <p:txBody>
+          <a:bodyPr/>
+          <a:lstStyle/>
+          <a:p>
+            <a:r>
+              <a:rPr lang="pt-BR" dirty="0" smtClean="0"/>
+              <a:t>Diagramas </a:t>
+            </a:r>
+            <a:r>
+              <a:rPr lang="pt-BR" dirty="0"/>
+              <a:t>de </a:t>
+            </a:r>
+            <a:r>
+              <a:rPr lang="pt-BR" dirty="0" smtClean="0"/>
+              <a:t>Sequência: Calculo </a:t>
+            </a:r>
+            <a:r>
+              <a:rPr lang="pt-BR" dirty="0" err="1" smtClean="0"/>
+              <a:t>Luminotécnico</a:t>
+            </a:r>
+            <a:endParaRPr lang="pt-BR" dirty="0"/>
+          </a:p>
+        </p:txBody>
+      </p:sp>
+      <p:pic>
+        <p:nvPicPr>
+          <p:cNvPr id="7" name="Espaço Reservado para Conteúdo 6"/>
+          <p:cNvPicPr>
+            <a:picLocks noGrp="1" noChangeAspect="1"/>
+          </p:cNvPicPr>
+          <p:nvPr>
+            <p:ph idx="1"/>
+          </p:nvPr>
+        </p:nvPicPr>
+        <p:blipFill>
+          <a:blip r:embed="rId2"/>
+          <a:stretch>
+            <a:fillRect/>
+          </a:stretch>
+        </p:blipFill>
+        <p:spPr>
+          <a:xfrm>
+            <a:off x="1423295" y="1679739"/>
+            <a:ext cx="9345410" cy="4047380"/>
+          </a:xfrm>
+          <a:prstGeom prst="rect">
+            <a:avLst/>
+          </a:prstGeom>
+        </p:spPr>
+      </p:pic>
+    </p:spTree>
+    <p:extLst>
+      <p:ext uri="{BB962C8B-B14F-4D97-AF65-F5344CB8AC3E}">
+        <p14:creationId xmlns:p14="http://schemas.microsoft.com/office/powerpoint/2010/main" val="3715319606"/>
+      </p:ext>
+    </p:extLst>
+  </p:cSld>
+  <p:clrMapOvr>
+    <a:masterClrMapping/>
+  </p:clrMapOvr>
+  <p:timing>
+    <p:tnLst>
+      <p:par>
+        <p:cTn id="1" dur="indefinite" restart="never" nodeType="tmRoot"/>
+      </p:par>
+    </p:tnLst>
+  </p:timing>
+</p:sld>
+</file>
+
+<file path=ppt/slides/slide13.xml><?xml version="1.0" encoding="utf-8"?>
+<p:sld xmlns:a="http://schemas.openxmlformats.org/drawingml/2006/main" xmlns:r="http://schemas.openxmlformats.org/officeDocument/2006/relationships" xmlns:p="http://schemas.openxmlformats.org/presentationml/2006/main">
+  <p:cSld>
+    <p:spTree>
+      <p:nvGrpSpPr>
+        <p:cNvPr id="1" name=""/>
+        <p:cNvGrpSpPr/>
+        <p:nvPr/>
+      </p:nvGrpSpPr>
+      <p:grpSpPr>
+        <a:xfrm>
+          <a:off x="0" y="0"/>
+          <a:ext cx="0" cy="0"/>
+          <a:chOff x="0" y="0"/>
+          <a:chExt cx="0" cy="0"/>
+        </a:xfrm>
+      </p:grpSpPr>
+      <p:sp>
+        <p:nvSpPr>
+          <p:cNvPr id="2" name="Título 1"/>
+          <p:cNvSpPr>
+            <a:spLocks noGrp="1"/>
+          </p:cNvSpPr>
+          <p:nvPr>
+            <p:ph type="title"/>
+          </p:nvPr>
+        </p:nvSpPr>
+        <p:spPr/>
+        <p:txBody>
+          <a:bodyPr/>
+          <a:lstStyle/>
+          <a:p>
+            <a:r>
+              <a:rPr lang="pt-BR" dirty="0" smtClean="0"/>
+              <a:t>Resultados  e Análises</a:t>
+            </a:r>
+            <a:endParaRPr lang="pt-BR" dirty="0"/>
+          </a:p>
+        </p:txBody>
+      </p:sp>
+      <p:sp>
+        <p:nvSpPr>
+          <p:cNvPr id="3" name="Espaço Reservado para Conteúdo 2"/>
+          <p:cNvSpPr>
+            <a:spLocks noGrp="1"/>
+          </p:cNvSpPr>
+          <p:nvPr>
+            <p:ph idx="1"/>
+          </p:nvPr>
+        </p:nvSpPr>
+        <p:spPr/>
+        <p:txBody>
+          <a:bodyPr/>
+          <a:lstStyle/>
+          <a:p>
+            <a:endParaRPr lang="pt-BR" dirty="0"/>
+          </a:p>
+        </p:txBody>
+      </p:sp>
+    </p:spTree>
+    <p:extLst>
+      <p:ext uri="{BB962C8B-B14F-4D97-AF65-F5344CB8AC3E}">
+        <p14:creationId xmlns:p14="http://schemas.microsoft.com/office/powerpoint/2010/main" val="1876351399"/>
+      </p:ext>
+    </p:extLst>
+  </p:cSld>
+  <p:clrMapOvr>
+    <a:masterClrMapping/>
+  </p:clrMapOvr>
+  <p:timing>
+    <p:tnLst>
+      <p:par>
+        <p:cTn id="1" dur="indefinite" restart="never" nodeType="tmRoot"/>
+      </p:par>
+    </p:tnLst>
+  </p:timing>
+</p:sld>
+</file>
+
+<file path=ppt/slides/slide14.xml><?xml version="1.0" encoding="utf-8"?>
+<p:sld xmlns:a="http://schemas.openxmlformats.org/drawingml/2006/main" xmlns:r="http://schemas.openxmlformats.org/officeDocument/2006/relationships" xmlns:p="http://schemas.openxmlformats.org/presentationml/2006/main">
+  <p:cSld>
+    <p:spTree>
+      <p:nvGrpSpPr>
+        <p:cNvPr id="1" name=""/>
+        <p:cNvGrpSpPr/>
+        <p:nvPr/>
+      </p:nvGrpSpPr>
+      <p:grpSpPr>
+        <a:xfrm>
+          <a:off x="0" y="0"/>
+          <a:ext cx="0" cy="0"/>
+          <a:chOff x="0" y="0"/>
+          <a:chExt cx="0" cy="0"/>
+        </a:xfrm>
+      </p:grpSpPr>
+      <p:sp>
+        <p:nvSpPr>
+          <p:cNvPr id="2" name="Título 1"/>
+          <p:cNvSpPr>
+            <a:spLocks noGrp="1"/>
+          </p:cNvSpPr>
+          <p:nvPr>
+            <p:ph type="title"/>
+          </p:nvPr>
+        </p:nvSpPr>
+        <p:spPr/>
+        <p:txBody>
+          <a:bodyPr/>
+          <a:lstStyle/>
+          <a:p>
+            <a:r>
+              <a:rPr lang="pt-BR" dirty="0" smtClean="0"/>
+              <a:t>Considerações Finais</a:t>
+            </a:r>
+            <a:endParaRPr lang="pt-BR" dirty="0"/>
+          </a:p>
+        </p:txBody>
+      </p:sp>
+      <p:sp>
+        <p:nvSpPr>
+          <p:cNvPr id="3" name="Espaço Reservado para Conteúdo 2"/>
+          <p:cNvSpPr>
+            <a:spLocks noGrp="1"/>
+          </p:cNvSpPr>
+          <p:nvPr>
+            <p:ph idx="1"/>
+          </p:nvPr>
+        </p:nvSpPr>
+        <p:spPr>
+          <a:xfrm>
+            <a:off x="838200" y="2222695"/>
+            <a:ext cx="10515600" cy="3589517"/>
+          </a:xfrm>
+        </p:spPr>
+        <p:txBody>
+          <a:bodyPr/>
+          <a:lstStyle/>
+          <a:p>
+            <a:r>
+              <a:rPr lang="pt-BR" dirty="0"/>
+              <a:t>Com o desenvolvimento deste projeto, foi comprido seu objetivo, no qual se faz com precisão e agilidade cálculos iniciais de um projeto de instalações elétricas, onde se efetua cálculos de quantidades mínimas de tomadas e lumens das luminárias, todos cálculos sendo feitos com base na NBR 5410. </a:t>
+            </a:r>
+          </a:p>
+          <a:p>
+            <a:pPr marL="0" indent="0">
+              <a:buNone/>
+            </a:pPr>
+            <a:endParaRPr lang="pt-BR" dirty="0"/>
+          </a:p>
+        </p:txBody>
+      </p:sp>
+    </p:spTree>
+    <p:extLst>
+      <p:ext uri="{BB962C8B-B14F-4D97-AF65-F5344CB8AC3E}">
+        <p14:creationId xmlns:p14="http://schemas.microsoft.com/office/powerpoint/2010/main" val="262117981"/>
+      </p:ext>
+    </p:extLst>
+  </p:cSld>
+  <p:clrMapOvr>
+    <a:masterClrMapping/>
+  </p:clrMapOvr>
+  <p:timing>
+    <p:tnLst>
+      <p:par>
+        <p:cTn id="1" dur="indefinite" restart="never" nodeType="tmRoot"/>
+      </p:par>
+    </p:tnLst>
+  </p:timing>
+</p:sld>
+</file>
+
+<file path=ppt/slides/slide15.xml><?xml version="1.0" encoding="utf-8"?>
+<p:sld xmlns:a="http://schemas.openxmlformats.org/drawingml/2006/main" xmlns:r="http://schemas.openxmlformats.org/officeDocument/2006/relationships" xmlns:p="http://schemas.openxmlformats.org/presentationml/2006/main">
+  <p:cSld>
+    <p:spTree>
+      <p:nvGrpSpPr>
+        <p:cNvPr id="1" name=""/>
+        <p:cNvGrpSpPr/>
+        <p:nvPr/>
+      </p:nvGrpSpPr>
+      <p:grpSpPr>
+        <a:xfrm>
+          <a:off x="0" y="0"/>
+          <a:ext cx="0" cy="0"/>
+          <a:chOff x="0" y="0"/>
+          <a:chExt cx="0" cy="0"/>
+        </a:xfrm>
+      </p:grpSpPr>
+      <p:sp>
+        <p:nvSpPr>
+          <p:cNvPr id="2" name="Título 1"/>
+          <p:cNvSpPr>
+            <a:spLocks noGrp="1"/>
+          </p:cNvSpPr>
+          <p:nvPr>
+            <p:ph type="title"/>
+          </p:nvPr>
+        </p:nvSpPr>
+        <p:spPr/>
+        <p:txBody>
+          <a:bodyPr/>
+          <a:lstStyle/>
+          <a:p>
+            <a:r>
+              <a:rPr lang="pt-BR" dirty="0" smtClean="0"/>
+              <a:t>Referências</a:t>
+            </a:r>
+            <a:endParaRPr lang="pt-BR" dirty="0"/>
+          </a:p>
+        </p:txBody>
+      </p:sp>
+      <p:sp>
+        <p:nvSpPr>
+          <p:cNvPr id="3" name="Espaço Reservado para Conteúdo 2"/>
+          <p:cNvSpPr>
+            <a:spLocks noGrp="1"/>
+          </p:cNvSpPr>
+          <p:nvPr>
+            <p:ph idx="1"/>
+          </p:nvPr>
+        </p:nvSpPr>
+        <p:spPr/>
+        <p:txBody>
+          <a:bodyPr/>
+          <a:lstStyle/>
+          <a:p>
+            <a:r>
+              <a:rPr lang="pt-BR" dirty="0"/>
+              <a:t>GUEDES, </a:t>
+            </a:r>
+            <a:r>
+              <a:rPr lang="pt-BR" dirty="0" err="1"/>
+              <a:t>Gilleanes</a:t>
+            </a:r>
+            <a:r>
+              <a:rPr lang="pt-BR" dirty="0"/>
+              <a:t> T. A. </a:t>
+            </a:r>
+            <a:r>
+              <a:rPr lang="pt-BR" b="1" dirty="0"/>
+              <a:t>UML - Uma Abordagem Pratica. 2.</a:t>
+            </a:r>
+            <a:r>
+              <a:rPr lang="pt-BR" dirty="0"/>
+              <a:t> ed. São Paulo: </a:t>
+            </a:r>
+            <a:r>
+              <a:rPr lang="pt-BR" dirty="0" err="1"/>
+              <a:t>Novatec</a:t>
+            </a:r>
+            <a:r>
+              <a:rPr lang="pt-BR" dirty="0"/>
+              <a:t> Editora Ltda., 2011. 484 p.</a:t>
+            </a:r>
+          </a:p>
+          <a:p>
+            <a:endParaRPr lang="pt-BR" dirty="0"/>
+          </a:p>
+        </p:txBody>
+      </p:sp>
+    </p:spTree>
+    <p:extLst>
+      <p:ext uri="{BB962C8B-B14F-4D97-AF65-F5344CB8AC3E}">
+        <p14:creationId xmlns:p14="http://schemas.microsoft.com/office/powerpoint/2010/main" val="2325742131"/>
       </p:ext>
     </p:extLst>
   </p:cSld>
@@ -3483,12 +4103,37 @@
             <p:ph idx="1"/>
           </p:nvPr>
         </p:nvSpPr>
-        <p:spPr/>
-        <p:txBody>
-          <a:bodyPr/>
-          <a:lstStyle/>
-          <a:p>
-            <a:endParaRPr lang="pt-BR"/>
+        <p:spPr>
+          <a:xfrm>
+            <a:off x="838200" y="2504049"/>
+            <a:ext cx="10515600" cy="3308163"/>
+          </a:xfrm>
+        </p:spPr>
+        <p:txBody>
+          <a:bodyPr/>
+          <a:lstStyle/>
+          <a:p>
+            <a:r>
+              <a:rPr lang="pt-BR" dirty="0"/>
+              <a:t>Nas instalações elétricas, os cálculos de tomadas e no cálculo </a:t>
+            </a:r>
+            <a:r>
+              <a:rPr lang="pt-BR" dirty="0" err="1"/>
+              <a:t>luminotécnico</a:t>
+            </a:r>
+            <a:r>
+              <a:rPr lang="pt-BR" dirty="0" smtClean="0"/>
+              <a:t>, </a:t>
+            </a:r>
+            <a:r>
+              <a:rPr lang="pt-BR" dirty="0"/>
+              <a:t>necessitam de cálculos conforme NBR </a:t>
+            </a:r>
+            <a:r>
+              <a:rPr lang="pt-BR" dirty="0" smtClean="0"/>
+              <a:t>5410. Com a ajuda da tecnologia, desenvolvemos uma aplicação mobile para aumentar a exatidão dos cálculos e ter maior facilidade.</a:t>
+            </a:r>
+            <a:endParaRPr lang="pt-BR" dirty="0"/>
           </a:p>
         </p:txBody>
       </p:sp>
@@ -3562,12 +4207,63 @@
             <p:ph idx="1"/>
           </p:nvPr>
         </p:nvSpPr>
-        <p:spPr/>
-        <p:txBody>
-          <a:bodyPr/>
-          <a:lstStyle/>
-          <a:p>
-            <a:endParaRPr lang="pt-BR"/>
+        <p:spPr>
+          <a:xfrm>
+            <a:off x="838200" y="2349305"/>
+            <a:ext cx="10515600" cy="3462907"/>
+          </a:xfrm>
+        </p:spPr>
+        <p:txBody>
+          <a:bodyPr/>
+          <a:lstStyle/>
+          <a:p>
+            <a:r>
+              <a:rPr lang="pt-BR" dirty="0"/>
+              <a:t>O desenvolvimento de </a:t>
+            </a:r>
+            <a:r>
+              <a:rPr lang="pt-BR" dirty="0" smtClean="0"/>
+              <a:t>uma aplicação mobile que </a:t>
+            </a:r>
+            <a:r>
+              <a:rPr lang="pt-BR" dirty="0"/>
+              <a:t>auxilie nos cálculos de tomadas e no </a:t>
+            </a:r>
+            <a:r>
+              <a:rPr lang="pt-BR" dirty="0" smtClean="0"/>
+              <a:t>cálculo </a:t>
+            </a:r>
+            <a:r>
+              <a:rPr lang="pt-BR" dirty="0" err="1" smtClean="0"/>
+              <a:t>luminotécnico</a:t>
+            </a:r>
+            <a:r>
+              <a:rPr lang="pt-BR" dirty="0" smtClean="0"/>
+              <a:t> </a:t>
+            </a:r>
+            <a:r>
+              <a:rPr lang="pt-BR" dirty="0"/>
+              <a:t>de uma instalação, seguindo NBR </a:t>
+            </a:r>
+            <a:r>
+              <a:rPr lang="pt-BR" dirty="0" smtClean="0"/>
+              <a:t>5410. Com uma aplicação mobile auxilia no potencial dos resultados </a:t>
+            </a:r>
+            <a:r>
+              <a:rPr lang="pt-BR" dirty="0"/>
+              <a:t>e </a:t>
+            </a:r>
+            <a:r>
+              <a:rPr lang="pt-BR" dirty="0" smtClean="0"/>
+              <a:t>dando maior praticidade ao </a:t>
+            </a:r>
+            <a:r>
+              <a:rPr lang="pt-BR" dirty="0"/>
+              <a:t>trabalho.</a:t>
+            </a:r>
+          </a:p>
+          <a:p>
+            <a:endParaRPr lang="pt-BR" dirty="0"/>
           </a:p>
         </p:txBody>
       </p:sp>
@@ -3625,7 +4321,11 @@
           <a:p>
             <a:r>
               <a:rPr lang="pt-BR" dirty="0" smtClean="0"/>
-              <a:t>Desenvolvimento</a:t>
+              <a:t>Diagrama de Cas</a:t>
+            </a:r>
+            <a:r>
+              <a:rPr lang="pt-BR" dirty="0" smtClean="0"/>
+              <a:t>o de Uso</a:t>
             </a:r>
             <a:endParaRPr lang="pt-BR" dirty="0"/>
           </a:p>
@@ -3641,15 +4341,50 @@
             <p:ph idx="1"/>
           </p:nvPr>
         </p:nvSpPr>
-        <p:spPr/>
-        <p:txBody>
-          <a:bodyPr/>
-          <a:lstStyle/>
-          <a:p>
-            <a:endParaRPr lang="pt-BR"/>
-          </a:p>
-        </p:txBody>
-      </p:sp>
+        <p:spPr>
+          <a:xfrm>
+            <a:off x="838200" y="1825625"/>
+            <a:ext cx="4268372" cy="3986587"/>
+          </a:xfrm>
+        </p:spPr>
+        <p:txBody>
+          <a:bodyPr>
+            <a:normAutofit/>
+          </a:bodyPr>
+          <a:lstStyle/>
+          <a:p>
+            <a:r>
+              <a:rPr lang="pt-BR" sz="2500" dirty="0"/>
+              <a:t>O diagrama de caso de uso é usado nas fases de levantamento e análise de requisitos. Onde se identificasse os autores (usuários e sistemas) e as funcionalidades que o sistema realiza-la. (Guedes, 2011)</a:t>
+            </a:r>
+            <a:endParaRPr lang="pt-BR" sz="2500" dirty="0"/>
+          </a:p>
+        </p:txBody>
+      </p:sp>
+      <p:pic>
+        <p:nvPicPr>
+          <p:cNvPr id="4" name="Imagem 3"/>
+          <p:cNvPicPr>
+            <a:picLocks noChangeAspect="1"/>
+          </p:cNvPicPr>
+          <p:nvPr/>
+        </p:nvPicPr>
+        <p:blipFill>
+          <a:blip r:embed="rId2"/>
+          <a:stretch>
+            <a:fillRect/>
+          </a:stretch>
+        </p:blipFill>
+        <p:spPr>
+          <a:xfrm>
+            <a:off x="5950634" y="1690688"/>
+            <a:ext cx="5081968" cy="3938721"/>
+          </a:xfrm>
+          <a:prstGeom prst="rect">
+            <a:avLst/>
+          </a:prstGeom>
+        </p:spPr>
+      </p:pic>
     </p:spTree>
     <p:extLst>
       <p:ext uri="{BB962C8B-B14F-4D97-AF65-F5344CB8AC3E}">
@@ -3704,7 +4439,7 @@
           <a:p>
             <a:r>
               <a:rPr lang="pt-BR" dirty="0" smtClean="0"/>
-              <a:t>Resultados  e Análises</a:t>
+              <a:t>Diagrama de Classe</a:t>
             </a:r>
             <a:endParaRPr lang="pt-BR" dirty="0"/>
           </a:p>
@@ -3720,19 +4455,70 @@
             <p:ph idx="1"/>
           </p:nvPr>
         </p:nvSpPr>
-        <p:spPr/>
-        <p:txBody>
-          <a:bodyPr/>
-          <a:lstStyle/>
-          <a:p>
-            <a:endParaRPr lang="pt-BR"/>
-          </a:p>
-        </p:txBody>
-      </p:sp>
+        <p:spPr>
+          <a:xfrm>
+            <a:off x="838200" y="1825625"/>
+            <a:ext cx="4268372" cy="3986587"/>
+          </a:xfrm>
+        </p:spPr>
+        <p:txBody>
+          <a:bodyPr>
+            <a:normAutofit/>
+          </a:bodyPr>
+          <a:lstStyle/>
+          <a:p>
+            <a:r>
+              <a:rPr lang="pt-BR" sz="2400" dirty="0" smtClean="0"/>
+              <a:t>O principal </a:t>
+            </a:r>
+            <a:r>
+              <a:rPr lang="pt-BR" sz="2400" dirty="0"/>
+              <a:t>trabalho dele é visualizar as classes que farão parte do sistema. Os atributos e os métodos. Recomenda-se que utilize o diagrama de classe na fase de análise, pois pode ir construindo um modelo conceitual das informações necessárias do </a:t>
+            </a:r>
+            <a:r>
+              <a:rPr lang="pt-BR" sz="2400" dirty="0" smtClean="0"/>
+              <a:t>software </a:t>
+            </a:r>
+            <a:r>
+              <a:rPr lang="pt-BR" sz="2400" dirty="0"/>
+              <a:t>(Guedes, 2011</a:t>
+            </a:r>
+            <a:r>
+              <a:rPr lang="pt-BR" sz="2400" dirty="0" smtClean="0"/>
+              <a:t>).</a:t>
+            </a:r>
+            <a:endParaRPr lang="pt-BR" sz="2500" dirty="0"/>
+          </a:p>
+        </p:txBody>
+      </p:sp>
+      <p:pic>
+        <p:nvPicPr>
+          <p:cNvPr id="5" name="Imagem 4"/>
+          <p:cNvPicPr>
+            <a:picLocks noChangeAspect="1"/>
+          </p:cNvPicPr>
+          <p:nvPr/>
+        </p:nvPicPr>
+        <p:blipFill>
+          <a:blip r:embed="rId2"/>
+          <a:stretch>
+            <a:fillRect/>
+          </a:stretch>
+        </p:blipFill>
+        <p:spPr>
+          <a:xfrm>
+            <a:off x="5219114" y="1279275"/>
+            <a:ext cx="6400800" cy="4645479"/>
+          </a:xfrm>
+          <a:prstGeom prst="rect">
+            <a:avLst/>
+          </a:prstGeom>
+        </p:spPr>
+      </p:pic>
     </p:spTree>
     <p:extLst>
       <p:ext uri="{BB962C8B-B14F-4D97-AF65-F5344CB8AC3E}">
-        <p14:creationId xmlns:p14="http://schemas.microsoft.com/office/powerpoint/2010/main" val="1876351399"/>
+        <p14:creationId xmlns:p14="http://schemas.microsoft.com/office/powerpoint/2010/main" val="360005582"/>
       </p:ext>
     </p:extLst>
   </p:cSld>
@@ -3783,7 +4569,7 @@
           <a:p>
             <a:r>
               <a:rPr lang="pt-BR" dirty="0" smtClean="0"/>
-              <a:t>Considerações Finais</a:t>
+              <a:t>Diagramas de Atividades</a:t>
             </a:r>
             <a:endParaRPr lang="pt-BR" dirty="0"/>
           </a:p>
@@ -3799,19 +4585,30 @@
             <p:ph idx="1"/>
           </p:nvPr>
         </p:nvSpPr>
-        <p:spPr/>
-        <p:txBody>
-          <a:bodyPr/>
-          <a:lstStyle/>
-          <a:p>
-            <a:endParaRPr lang="pt-BR"/>
+        <p:spPr>
+          <a:xfrm>
+            <a:off x="838200" y="2602523"/>
+            <a:ext cx="10515600" cy="3209689"/>
+          </a:xfrm>
+        </p:spPr>
+        <p:txBody>
+          <a:bodyPr>
+            <a:normAutofit/>
+          </a:bodyPr>
+          <a:lstStyle/>
+          <a:p>
+            <a:r>
+              <a:rPr lang="pt-BR" sz="2500" dirty="0"/>
+              <a:t>O diagrama de caso de uso é usado nas fases de levantamento e análise de requisitos. Onde se identificasse os autores (usuários e sistemas) e as funcionalidades que o sistema realiza-la. (Guedes, 2011)</a:t>
+            </a:r>
+            <a:endParaRPr lang="pt-BR" sz="2500" dirty="0"/>
           </a:p>
         </p:txBody>
       </p:sp>
     </p:spTree>
     <p:extLst>
       <p:ext uri="{BB962C8B-B14F-4D97-AF65-F5344CB8AC3E}">
-        <p14:creationId xmlns:p14="http://schemas.microsoft.com/office/powerpoint/2010/main" val="262117981"/>
+        <p14:creationId xmlns:p14="http://schemas.microsoft.com/office/powerpoint/2010/main" val="2660856642"/>
       </p:ext>
     </p:extLst>
   </p:cSld>
@@ -3855,42 +4652,149 @@
             <p:ph type="title"/>
           </p:nvPr>
         </p:nvSpPr>
-        <p:spPr/>
+        <p:spPr>
+          <a:xfrm>
+            <a:off x="0" y="0"/>
+            <a:ext cx="12191999" cy="1325563"/>
+          </a:xfrm>
+        </p:spPr>
         <p:txBody>
           <a:bodyPr/>
           <a:lstStyle/>
           <a:p>
             <a:r>
               <a:rPr lang="pt-BR" dirty="0" smtClean="0"/>
-              <a:t>Referências</a:t>
+              <a:t>Diagrama de Atividade: Calculo de TUG</a:t>
             </a:r>
             <a:endParaRPr lang="pt-BR" dirty="0"/>
           </a:p>
         </p:txBody>
       </p:sp>
-      <p:sp>
-        <p:nvSpPr>
-          <p:cNvPr id="3" name="Espaço Reservado para Conteúdo 2"/>
-          <p:cNvSpPr>
-            <a:spLocks noGrp="1"/>
-          </p:cNvSpPr>
+      <p:pic>
+        <p:nvPicPr>
+          <p:cNvPr id="5" name="Espaço Reservado para Conteúdo 4"/>
+          <p:cNvPicPr>
+            <a:picLocks noGrp="1" noChangeAspect="1"/>
+          </p:cNvPicPr>
           <p:nvPr>
             <p:ph idx="1"/>
           </p:nvPr>
-        </p:nvSpPr>
-        <p:spPr/>
-        <p:txBody>
-          <a:bodyPr/>
-          <a:lstStyle/>
-          <a:p>
-            <a:endParaRPr lang="pt-BR"/>
-          </a:p>
-        </p:txBody>
-      </p:sp>
+        </p:nvPicPr>
+        <p:blipFill>
+          <a:blip r:embed="rId2"/>
+          <a:stretch>
+            <a:fillRect/>
+          </a:stretch>
+        </p:blipFill>
+        <p:spPr>
+          <a:xfrm>
+            <a:off x="1665802" y="942536"/>
+            <a:ext cx="8860393" cy="5009980"/>
+          </a:xfrm>
+          <a:prstGeom prst="rect">
+            <a:avLst/>
+          </a:prstGeom>
+        </p:spPr>
+      </p:pic>
     </p:spTree>
     <p:extLst>
       <p:ext uri="{BB962C8B-B14F-4D97-AF65-F5344CB8AC3E}">
-        <p14:creationId xmlns:p14="http://schemas.microsoft.com/office/powerpoint/2010/main" val="2325742131"/>
+        <p14:creationId xmlns:p14="http://schemas.microsoft.com/office/powerpoint/2010/main" val="3916268853"/>
+      </p:ext>
+    </p:extLst>
+  </p:cSld>
+  <p:clrMapOvr>
+    <a:masterClrMapping/>
+  </p:clrMapOvr>
+  <p:timing>
+    <p:tnLst>
+      <p:par>
+        <p:cTn id="1" dur="indefinite" restart="never" nodeType="tmRoot"/>
+      </p:par>
+    </p:tnLst>
+  </p:timing>
+</p:sld>
+</file>
+
+<file path=ppt/slides/slide9.xml><?xml version="1.0" encoding="utf-8"?>
+<p:sld xmlns:a="http://schemas.openxmlformats.org/drawingml/2006/main" xmlns:r="http://schemas.openxmlformats.org/officeDocument/2006/relationships" xmlns:p="http://schemas.openxmlformats.org/presentationml/2006/main">
+  <p:cSld>
+    <p:spTree>
+      <p:nvGrpSpPr>
+        <p:cNvPr id="1" name=""/>
+        <p:cNvGrpSpPr/>
+        <p:nvPr/>
+      </p:nvGrpSpPr>
+      <p:grpSpPr>
+        <a:xfrm>
+          <a:off x="0" y="0"/>
+          <a:ext cx="0" cy="0"/>
+          <a:chOff x="0" y="0"/>
+          <a:chExt cx="0" cy="0"/>
+        </a:xfrm>
+      </p:grpSpPr>
+      <p:sp>
+        <p:nvSpPr>
+          <p:cNvPr id="2" name="Título 1"/>
+          <p:cNvSpPr>
+            <a:spLocks noGrp="1"/>
+          </p:cNvSpPr>
+          <p:nvPr>
+            <p:ph type="title"/>
+          </p:nvPr>
+        </p:nvSpPr>
+        <p:spPr>
+          <a:xfrm>
+            <a:off x="0" y="0"/>
+            <a:ext cx="12191999" cy="1325563"/>
+          </a:xfrm>
+        </p:spPr>
+        <p:txBody>
+          <a:bodyPr/>
+          <a:lstStyle/>
+          <a:p>
+            <a:r>
+              <a:rPr lang="pt-BR" dirty="0" smtClean="0"/>
+              <a:t>Diagrama de Ativ.: Cal. de </a:t>
+            </a:r>
+            <a:r>
+              <a:rPr lang="pt-BR" dirty="0" err="1" smtClean="0"/>
+              <a:t>Luminotécnico</a:t>
+            </a:r>
+            <a:endParaRPr lang="pt-BR" dirty="0"/>
+          </a:p>
+        </p:txBody>
+      </p:sp>
+      <p:pic>
+        <p:nvPicPr>
+          <p:cNvPr id="4" name="Espaço Reservado para Conteúdo 3"/>
+          <p:cNvPicPr>
+            <a:picLocks noGrp="1" noChangeAspect="1"/>
+          </p:cNvPicPr>
+          <p:nvPr>
+            <p:ph idx="1"/>
+          </p:nvPr>
+        </p:nvPicPr>
+        <p:blipFill>
+          <a:blip r:embed="rId2"/>
+          <a:stretch>
+            <a:fillRect/>
+          </a:stretch>
+        </p:blipFill>
+        <p:spPr>
+          <a:xfrm>
+            <a:off x="3080825" y="914394"/>
+            <a:ext cx="6865033" cy="5010168"/>
+          </a:xfrm>
+          <a:prstGeom prst="rect">
+            <a:avLst/>
+          </a:prstGeom>
+        </p:spPr>
+      </p:pic>
+    </p:spTree>
+    <p:extLst>
+      <p:ext uri="{BB962C8B-B14F-4D97-AF65-F5344CB8AC3E}">
+        <p14:creationId xmlns:p14="http://schemas.microsoft.com/office/powerpoint/2010/main" val="2094219621"/>
       </p:ext>
     </p:extLst>
   </p:cSld>
